--- a/DOC/공통문서/디버깅.pptx
+++ b/DOC/공통문서/디버깅.pptx
@@ -203,6 +203,34 @@
     </inkml:brush>
   </inkml:definitions>
   <inkml:trace contextRef="#ctx0" brushRef="#br0">2906 157 24575,'-694'0'0,"655"2"0,0 3 0,0 1 0,0 2 0,-37 13 0,-25 5 0,27-9 0,21-4 0,-1-2 0,0-2 0,-70 2 0,93-10 0,-54 11 0,53-7 0,-51 3 0,-405-9 0,458 3 0,1 1 0,0 2 0,0 1 0,-46 16 0,36-10 0,-63 10 0,84-18 0,0 1 0,0 0 0,0 2 0,1 0 0,0 0 0,-20 14 0,-23 9 0,30-16 0,0 2 0,0 2 0,1 0 0,2 2 0,0 1 0,-28 29 0,51-46 0,0 1 0,0 0 0,1 1 0,0-1 0,0 1 0,0-1 0,1 1 0,-1 0 0,1 0 0,1 0 0,-1 0 0,1 0 0,0 1 0,0-1 0,1 0 0,0 0 0,0 1 0,1-1 0,1 11 0,0-8 0,0 0 0,0 0 0,1 0 0,0 0 0,1 0 0,0-1 0,0 0 0,1 1 0,0-1 0,0-1 0,1 1 0,9 9 0,13 6 0,0-1 0,1-1 0,2-1 0,-1-2 0,2-2 0,1 0 0,0-2 0,37 10 0,7-4 0,0-4 0,119 10 0,3-3 0,55 4 0,-148-19 0,265 11 0,-167-22 0,233 5 0,-285 10 0,68 2 0,1765-17 0,-1064 5 0,-914-2 0,0 0 0,-1 0 0,1-1 0,0 0 0,-1 0 0,1-1 0,0 1 0,-1-2 0,0 1 0,0-1 0,0 1 0,0-2 0,0 1 0,0-1 0,-1 1 0,1-2 0,-1 1 0,0-1 0,6-7 0,-7 6 0,-1 0 0,1 1 0,-2-1 0,1 0 0,-1-1 0,0 1 0,0 0 0,0-1 0,-1 1 0,0-1 0,-1 0 0,1 1 0,-1-1 0,0 1 0,-1-1 0,0 0 0,0 1 0,0-1 0,-5-11 0,1 3 0,-1 1 0,0 0 0,-1 0 0,0 1 0,-2-1 0,-15-19 0,-70-67 0,19 22 0,44 46 0,-1 1 0,-1 2 0,-1 1 0,-45-28 0,-161-84 0,210 123 0,-68-31 0,-2 4 0,-117-33 0,169 61 0,-320-94 0,171 77 0,161 28 0,-51-7 0,-123-1 0,192 12 0,0-1 0,-1 0 0,-18-6 0,17 3 0,0 2 0,-27-2 0,-648 3 0,338 4 0,337 0 0,-1 0 0,-41 10 0,12-1 0,-10 5-1365,42-12-5461</inkml:trace>
+</inkml:ink>
+</file>
+
+<file path=ppt/ink/ink4.xml><?xml version="1.0" encoding="utf-8"?>
+<inkml:ink xmlns:inkml="http://www.w3.org/2003/InkML">
+  <inkml:definitions>
+    <inkml:context xml:id="ctx0">
+      <inkml:inkSource xml:id="inkSrc0">
+        <inkml:traceFormat>
+          <inkml:channel name="X" type="integer" min="-2.14748E9" max="2.14748E9" units="cm"/>
+          <inkml:channel name="Y" type="integer" min="-2.14748E9" max="2.14748E9" units="cm"/>
+          <inkml:channel name="F" type="integer" max="32767" units="dev"/>
+        </inkml:traceFormat>
+        <inkml:channelProperties>
+          <inkml:channelProperty channel="X" name="resolution" value="1000" units="1/cm"/>
+          <inkml:channelProperty channel="Y" name="resolution" value="1000" units="1/cm"/>
+          <inkml:channelProperty channel="F" name="resolution" value="0" units="1/dev"/>
+        </inkml:channelProperties>
+      </inkml:inkSource>
+      <inkml:timestamp xml:id="ts0" timeString="2024-09-26T07:28:41.507"/>
+    </inkml:context>
+    <inkml:brush xml:id="br0">
+      <inkml:brushProperty name="width" value="0.035" units="cm"/>
+      <inkml:brushProperty name="height" value="0.035" units="cm"/>
+      <inkml:brushProperty name="color" value="#E71224"/>
+    </inkml:brush>
+  </inkml:definitions>
+  <inkml:trace contextRef="#ctx0" brushRef="#br0">3919 276 24575,'-96'1'0,"-105"-3"0,54-20 0,18 2 0,-200-44 0,70 9 0,-57 24 0,196 22 0,-84-1 0,142 9 0,27 0 0,0 2 0,-1 0 0,-57 12 0,54-7 0,0-1 0,0-3 0,0-1 0,-43-4 0,-11 0 0,-1178 3 0,1260 0 0,1 0 0,-1 1 0,0 0 0,1 1 0,0 0 0,-1 1 0,-13 5 0,19-6 0,0 1 0,0 0 0,0 0 0,0 0 0,1 1 0,-1-1 0,1 1 0,0 0 0,0 0 0,0 1 0,1-1 0,0 1 0,-1 0 0,2-1 0,-4 7 0,-5 12 0,-42 100 0,48-107 0,0 0 0,1 1 0,1-1 0,0 1 0,0 32 0,2-6 0,0-22 0,1 1 0,5 35 0,-4-50 0,1-1 0,-1 1 0,1-1 0,1 0 0,-1 0 0,1 0 0,0 0 0,0 0 0,1 0 0,0-1 0,0 0 0,9 10 0,-1-5 0,1 0 0,0-1 0,1 0 0,0-1 0,0 0 0,20 6 0,95 29 0,-126-42 0,152 39 0,1-7 0,190 14 0,-187-27 0,72 6 0,15-4 0,-149-14 0,102 4 0,-17-10 0,140-5 0,-223-6 0,87-3 0,2119 15 0,-1184-5 0,-855-11 0,-105 3 0,-31 0 0,69 0 0,-50-3 0,-59 3 0,-5 2 0,83-4 0,-99 12 0,118-16 0,-120 10 0,1 2 0,79 7 0,-27-1 0,1115-2 0,-1097 12 0,-3-1 0,1299-12 0,-1421 0 0,-1 0 0,0-1 0,0 0 0,-1-1 0,1 0 0,0-1 0,-1 0 0,0-1 0,0 0 0,0-1 0,-1 0 0,13-10 0,11-11 0,-1-1 0,30-35 0,-51 52 0,-4 4 0,1-1 0,0 2 0,0-1 0,0 2 0,1-1 0,0 1 0,1 0 0,18-5 0,97-19 0,-58 15 0,80-7 0,-9-7 0,-138 28 0,1 0 0,-1-1 0,0 1 0,0 0 0,1-1 0,-1 1 0,0 0 0,1-1 0,-1 1 0,0-1 0,0 0 0,0 1 0,0-1 0,0 0 0,0 0 0,0 0 0,0 0 0,0 0 0,0 0 0,0 0 0,1-2 0,-2 2 0,0 0 0,0 0 0,0 0 0,0-1 0,0 1 0,0 0 0,0 0 0,0 0 0,0 0 0,-1-1 0,1 1 0,0 0 0,-1 0 0,1 0 0,-1 0 0,1 0 0,-1 0 0,0 0 0,0-1 0,-4-4 0,0 1 0,0 0 0,-1 0 0,1 0 0,-1 0 0,-9-4 0,-33-17 0,-1 2 0,-1 3 0,-1 2 0,-65-15 0,-216-33 0,284 59 0,-396-57-547,2 34 547,340 27 0,-127-8 33,-472 0 481,501 33-514,-14 21 0,-100-20 0,85-12 0,7 1 0,28-10 0,-360-4 0,177-20 0,67 3 0,166 11 0,-85-2 0,53 0 0,-11 0 0,-154-4 0,49 7 0,-31-2 0,22-3 0,76 5 0,110 0 0,-403-14 0,100-10 0,76 1 0,187 10-1365,137 21-5461</inkml:trace>
 </inkml:ink>
 </file>
 
@@ -3499,6 +3527,155 @@
           <a:chExt cx="0" cy="0"/>
         </a:xfrm>
       </p:grpSpPr>
+      <p:pic>
+        <p:nvPicPr>
+          <p:cNvPr id="3" name="그림 2">
+            <a:extLst>
+              <a:ext uri="{FF2B5EF4-FFF2-40B4-BE49-F238E27FC236}">
+                <a16:creationId xmlns:a16="http://schemas.microsoft.com/office/drawing/2014/main" id="{E9F3D10B-9F4E-80C3-17AA-62596FE5E3A5}"/>
+              </a:ext>
+            </a:extLst>
+          </p:cNvPr>
+          <p:cNvPicPr>
+            <a:picLocks noChangeAspect="1"/>
+          </p:cNvPicPr>
+          <p:nvPr/>
+        </p:nvPicPr>
+        <p:blipFill>
+          <a:blip r:embed="rId2"/>
+          <a:stretch>
+            <a:fillRect/>
+          </a:stretch>
+        </p:blipFill>
+        <p:spPr>
+          <a:xfrm>
+            <a:off x="471055" y="1788850"/>
+            <a:ext cx="12192000" cy="2231277"/>
+          </a:xfrm>
+          <a:prstGeom prst="rect">
+            <a:avLst/>
+          </a:prstGeom>
+        </p:spPr>
+      </p:pic>
+      <mc:AlternateContent xmlns:mc="http://schemas.openxmlformats.org/markup-compatibility/2006">
+        <mc:Choice xmlns:p14="http://schemas.microsoft.com/office/powerpoint/2010/main" Requires="p14">
+          <p:contentPart p14:bwMode="auto" r:id="rId3">
+            <p14:nvContentPartPr>
+              <p14:cNvPr id="4" name="잉크 3">
+                <a:extLst>
+                  <a:ext uri="{FF2B5EF4-FFF2-40B4-BE49-F238E27FC236}">
+                    <a16:creationId xmlns:a16="http://schemas.microsoft.com/office/drawing/2014/main" id="{65C15F38-3EE1-B8F9-2F8B-4CBFA8642553}"/>
+                  </a:ext>
+                </a:extLst>
+              </p14:cNvPr>
+              <p14:cNvContentPartPr/>
+              <p14:nvPr/>
+            </p14:nvContentPartPr>
+            <p14:xfrm>
+              <a:off x="602739" y="3349267"/>
+              <a:ext cx="4270680" cy="359640"/>
+            </p14:xfrm>
+          </p:contentPart>
+        </mc:Choice>
+        <mc:Fallback>
+          <p:pic>
+            <p:nvPicPr>
+              <p:cNvPr id="4" name="잉크 3">
+                <a:extLst>
+                  <a:ext uri="{FF2B5EF4-FFF2-40B4-BE49-F238E27FC236}">
+                    <a16:creationId xmlns:a16="http://schemas.microsoft.com/office/drawing/2014/main" id="{65C15F38-3EE1-B8F9-2F8B-4CBFA8642553}"/>
+                  </a:ext>
+                </a:extLst>
+              </p:cNvPr>
+              <p:cNvPicPr/>
+              <p:nvPr/>
+            </p:nvPicPr>
+            <p:blipFill>
+              <a:blip r:embed="rId4"/>
+              <a:stretch>
+                <a:fillRect/>
+              </a:stretch>
+            </p:blipFill>
+            <p:spPr>
+              <a:xfrm>
+                <a:off x="596619" y="3343147"/>
+                <a:ext cx="4282920" cy="371880"/>
+              </a:xfrm>
+              <a:prstGeom prst="rect">
+                <a:avLst/>
+              </a:prstGeom>
+            </p:spPr>
+          </p:pic>
+        </mc:Fallback>
+      </mc:AlternateContent>
+      <p:sp>
+        <p:nvSpPr>
+          <p:cNvPr id="5" name="TextBox 4">
+            <a:extLst>
+              <a:ext uri="{FF2B5EF4-FFF2-40B4-BE49-F238E27FC236}">
+                <a16:creationId xmlns:a16="http://schemas.microsoft.com/office/drawing/2014/main" id="{8BC4F7BE-32C4-ACEA-60EA-D93E97714619}"/>
+              </a:ext>
+            </a:extLst>
+          </p:cNvPr>
+          <p:cNvSpPr txBox="1"/>
+          <p:nvPr/>
+        </p:nvSpPr>
+        <p:spPr>
+          <a:xfrm>
+            <a:off x="471055" y="448025"/>
+            <a:ext cx="11508509" cy="1200329"/>
+          </a:xfrm>
+          <a:prstGeom prst="rect">
+            <a:avLst/>
+          </a:prstGeom>
+          <a:noFill/>
+        </p:spPr>
+        <p:txBody>
+          <a:bodyPr wrap="square">
+            <a:spAutoFit/>
+          </a:bodyPr>
+          <a:lstStyle/>
+          <a:p>
+            <a:r>
+              <a:rPr lang="ko-KR" altLang="en-US" dirty="0"/>
+              <a:t>비주얼 스튜디오가 내가 인자는 </a:t>
+            </a:r>
+            <a:r>
+              <a:rPr lang="ko-KR" altLang="en-US" dirty="0" err="1"/>
+              <a:t>뭐로</a:t>
+            </a:r>
+            <a:r>
+              <a:rPr lang="ko-KR" altLang="en-US" dirty="0"/>
+              <a:t> 넣었고 값은 어떻게 처리했는지를 </a:t>
+            </a:r>
+            <a:endParaRPr lang="en-US" altLang="ko-KR" dirty="0"/>
+          </a:p>
+          <a:p>
+            <a:r>
+              <a:rPr lang="ko-KR" altLang="en-US" dirty="0"/>
+              <a:t>기록했다가 </a:t>
+            </a:r>
+            <a:r>
+              <a:rPr lang="ko-KR" altLang="en-US" dirty="0" err="1"/>
+              <a:t>보여주는겁니다</a:t>
+            </a:r>
+            <a:r>
+              <a:rPr lang="en-US" altLang="ko-KR" dirty="0"/>
+              <a:t>.</a:t>
+            </a:r>
+          </a:p>
+          <a:p>
+            <a:endParaRPr lang="en-US" altLang="ko-KR" dirty="0"/>
+          </a:p>
+          <a:p>
+            <a:r>
+              <a:rPr lang="ko-KR" altLang="en-US"/>
+              <a:t>원한다면 </a:t>
+            </a:r>
+            <a:endParaRPr lang="en-US" altLang="ko-KR" dirty="0"/>
+          </a:p>
+        </p:txBody>
+      </p:sp>
     </p:spTree>
     <p:extLst>
       <p:ext uri="{BB962C8B-B14F-4D97-AF65-F5344CB8AC3E}">
@@ -4663,12 +4840,51 @@
           <a:chExt cx="0" cy="0"/>
         </a:xfrm>
       </p:grpSpPr>
+      <p:sp>
+        <p:nvSpPr>
+          <p:cNvPr id="4" name="TextBox 3">
+            <a:extLst>
+              <a:ext uri="{FF2B5EF4-FFF2-40B4-BE49-F238E27FC236}">
+                <a16:creationId xmlns:a16="http://schemas.microsoft.com/office/drawing/2014/main" id="{249B3889-BE1A-1D28-157B-3FF0B84C29BE}"/>
+              </a:ext>
+            </a:extLst>
+          </p:cNvPr>
+          <p:cNvSpPr txBox="1"/>
+          <p:nvPr/>
+        </p:nvSpPr>
+        <p:spPr>
+          <a:xfrm>
+            <a:off x="378691" y="4419661"/>
+            <a:ext cx="9661236" cy="369332"/>
+          </a:xfrm>
+          <a:prstGeom prst="rect">
+            <a:avLst/>
+          </a:prstGeom>
+          <a:noFill/>
+        </p:spPr>
+        <p:txBody>
+          <a:bodyPr wrap="square">
+            <a:spAutoFit/>
+          </a:bodyPr>
+          <a:lstStyle/>
+          <a:p>
+            <a:r>
+              <a:rPr lang="ko-KR" altLang="en-US" dirty="0"/>
+              <a:t>대부분 메시지 박스를 통해서 에러를 알려줄 겁니다</a:t>
+            </a:r>
+            <a:r>
+              <a:rPr lang="en-US" altLang="ko-KR" dirty="0"/>
+              <a:t>.</a:t>
+            </a:r>
+          </a:p>
+        </p:txBody>
+      </p:sp>
       <p:pic>
         <p:nvPicPr>
-          <p:cNvPr id="3" name="그림 2">
-            <a:extLst>
-              <a:ext uri="{FF2B5EF4-FFF2-40B4-BE49-F238E27FC236}">
-                <a16:creationId xmlns:a16="http://schemas.microsoft.com/office/drawing/2014/main" id="{3F5F8354-46CC-9212-C20E-E963D9FCE398}"/>
+          <p:cNvPr id="6" name="그림 5">
+            <a:extLst>
+              <a:ext uri="{FF2B5EF4-FFF2-40B4-BE49-F238E27FC236}">
+                <a16:creationId xmlns:a16="http://schemas.microsoft.com/office/drawing/2014/main" id="{0F41BA72-0B9B-88C5-0F42-069D543605EE}"/>
               </a:ext>
             </a:extLst>
           </p:cNvPr>
@@ -4685,8 +4901,8 @@
         </p:blipFill>
         <p:spPr>
           <a:xfrm>
-            <a:off x="579563" y="705177"/>
-            <a:ext cx="4401164" cy="3581900"/>
+            <a:off x="1473452" y="448025"/>
+            <a:ext cx="8783276" cy="3762900"/>
           </a:xfrm>
           <a:prstGeom prst="rect">
             <a:avLst/>
@@ -4864,6 +5080,84 @@
           <a:chExt cx="0" cy="0"/>
         </a:xfrm>
       </p:grpSpPr>
+      <p:sp>
+        <p:nvSpPr>
+          <p:cNvPr id="4" name="TextBox 3">
+            <a:extLst>
+              <a:ext uri="{FF2B5EF4-FFF2-40B4-BE49-F238E27FC236}">
+                <a16:creationId xmlns:a16="http://schemas.microsoft.com/office/drawing/2014/main" id="{71A456E7-4FBE-9C1F-B61E-6CCBA1A2C2FA}"/>
+              </a:ext>
+            </a:extLst>
+          </p:cNvPr>
+          <p:cNvSpPr txBox="1"/>
+          <p:nvPr/>
+        </p:nvSpPr>
+        <p:spPr>
+          <a:xfrm>
+            <a:off x="471055" y="448025"/>
+            <a:ext cx="11508509" cy="369332"/>
+          </a:xfrm>
+          <a:prstGeom prst="rect">
+            <a:avLst/>
+          </a:prstGeom>
+          <a:noFill/>
+        </p:spPr>
+        <p:txBody>
+          <a:bodyPr wrap="square">
+            <a:spAutoFit/>
+          </a:bodyPr>
+          <a:lstStyle/>
+          <a:p>
+            <a:r>
+              <a:rPr lang="en-US" altLang="ko-KR" dirty="0"/>
+              <a:t>F5</a:t>
+            </a:r>
+            <a:r>
+              <a:rPr lang="ko-KR" altLang="en-US" dirty="0"/>
+              <a:t>를 누르고 나서 </a:t>
+            </a:r>
+            <a:r>
+              <a:rPr lang="ko-KR" altLang="en-US" dirty="0" err="1"/>
+              <a:t>호출스택이</a:t>
+            </a:r>
+            <a:r>
+              <a:rPr lang="ko-KR" altLang="en-US" dirty="0"/>
+              <a:t> 보이지 않는다면</a:t>
+            </a:r>
+            <a:endParaRPr lang="en-US" altLang="ko-KR" dirty="0"/>
+          </a:p>
+        </p:txBody>
+      </p:sp>
+      <p:pic>
+        <p:nvPicPr>
+          <p:cNvPr id="6" name="그림 5">
+            <a:extLst>
+              <a:ext uri="{FF2B5EF4-FFF2-40B4-BE49-F238E27FC236}">
+                <a16:creationId xmlns:a16="http://schemas.microsoft.com/office/drawing/2014/main" id="{147CC8FE-F80F-CE01-9EB2-2B5A61DB8DD4}"/>
+              </a:ext>
+            </a:extLst>
+          </p:cNvPr>
+          <p:cNvPicPr>
+            <a:picLocks noChangeAspect="1"/>
+          </p:cNvPicPr>
+          <p:nvPr/>
+        </p:nvPicPr>
+        <p:blipFill>
+          <a:blip r:embed="rId2"/>
+          <a:stretch>
+            <a:fillRect/>
+          </a:stretch>
+        </p:blipFill>
+        <p:spPr>
+          <a:xfrm>
+            <a:off x="278099" y="1167969"/>
+            <a:ext cx="7249537" cy="6173061"/>
+          </a:xfrm>
+          <a:prstGeom prst="rect">
+            <a:avLst/>
+          </a:prstGeom>
+        </p:spPr>
+      </p:pic>
     </p:spTree>
     <p:extLst>
       <p:ext uri="{BB962C8B-B14F-4D97-AF65-F5344CB8AC3E}">

--- a/DOC/공통문서/디버깅.pptx
+++ b/DOC/공통문서/디버깅.pptx
@@ -3623,7 +3623,7 @@
         <p:spPr>
           <a:xfrm>
             <a:off x="471055" y="448025"/>
-            <a:ext cx="11508509" cy="1200329"/>
+            <a:ext cx="11508509" cy="923330"/>
           </a:xfrm>
           <a:prstGeom prst="rect">
             <a:avLst/>
@@ -3665,12 +3665,21 @@
             </a:r>
           </a:p>
           <a:p>
-            <a:endParaRPr lang="en-US" altLang="ko-KR" dirty="0"/>
-          </a:p>
-          <a:p>
-            <a:r>
-              <a:rPr lang="ko-KR" altLang="en-US"/>
-              <a:t>원한다면 </a:t>
+            <a:r>
+              <a:rPr lang="ko-KR" altLang="en-US"/>
+              <a:t>그 </a:t>
+            </a:r>
+            <a:r>
+              <a:rPr lang="ko-KR" altLang="en-US" dirty="0"/>
+              <a:t>대신 보통 </a:t>
+            </a:r>
+            <a:r>
+              <a:rPr lang="en-US" altLang="ko-KR" dirty="0"/>
+              <a:t>20~30</a:t>
+            </a:r>
+            <a:r>
+              <a:rPr lang="ko-KR" altLang="en-US" dirty="0"/>
+              <a:t>개 정도의 스택을 저장해 놓기 때문에</a:t>
             </a:r>
             <a:endParaRPr lang="en-US" altLang="ko-KR" dirty="0"/>
           </a:p>
